--- a/Problem Tree.pptx
+++ b/Problem Tree.pptx
@@ -104,6 +104,11 @@
       </a:defRPr>
     </a:lvl9pPr>
   </p:defaultTextStyle>
+  <p:extLst>
+    <p:ext uri="{EFAFB233-063F-42B5-8137-9DF3F51BA10A}">
+      <p15:sldGuideLst xmlns:p15="http://schemas.microsoft.com/office/powerpoint/2012/main"/>
+    </p:ext>
+  </p:extLst>
 </p:presentation>
 </file>
 
@@ -238,7 +243,7 @@
           <a:p>
             <a:fld id="{4079D1B3-9057-4C76-922F-822BC3628CA5}" type="datetimeFigureOut">
               <a:rPr lang="de-DE" smtClean="0"/>
-              <a:t>19.09.2023</a:t>
+              <a:t>20.09.2023</a:t>
             </a:fld>
             <a:endParaRPr lang="de-DE"/>
           </a:p>
@@ -408,7 +413,7 @@
           <a:p>
             <a:fld id="{4079D1B3-9057-4C76-922F-822BC3628CA5}" type="datetimeFigureOut">
               <a:rPr lang="de-DE" smtClean="0"/>
-              <a:t>19.09.2023</a:t>
+              <a:t>20.09.2023</a:t>
             </a:fld>
             <a:endParaRPr lang="de-DE"/>
           </a:p>
@@ -588,7 +593,7 @@
           <a:p>
             <a:fld id="{4079D1B3-9057-4C76-922F-822BC3628CA5}" type="datetimeFigureOut">
               <a:rPr lang="de-DE" smtClean="0"/>
-              <a:t>19.09.2023</a:t>
+              <a:t>20.09.2023</a:t>
             </a:fld>
             <a:endParaRPr lang="de-DE"/>
           </a:p>
@@ -758,7 +763,7 @@
           <a:p>
             <a:fld id="{4079D1B3-9057-4C76-922F-822BC3628CA5}" type="datetimeFigureOut">
               <a:rPr lang="de-DE" smtClean="0"/>
-              <a:t>19.09.2023</a:t>
+              <a:t>20.09.2023</a:t>
             </a:fld>
             <a:endParaRPr lang="de-DE"/>
           </a:p>
@@ -1002,7 +1007,7 @@
           <a:p>
             <a:fld id="{4079D1B3-9057-4C76-922F-822BC3628CA5}" type="datetimeFigureOut">
               <a:rPr lang="de-DE" smtClean="0"/>
-              <a:t>19.09.2023</a:t>
+              <a:t>20.09.2023</a:t>
             </a:fld>
             <a:endParaRPr lang="de-DE"/>
           </a:p>
@@ -1234,7 +1239,7 @@
           <a:p>
             <a:fld id="{4079D1B3-9057-4C76-922F-822BC3628CA5}" type="datetimeFigureOut">
               <a:rPr lang="de-DE" smtClean="0"/>
-              <a:t>19.09.2023</a:t>
+              <a:t>20.09.2023</a:t>
             </a:fld>
             <a:endParaRPr lang="de-DE"/>
           </a:p>
@@ -1601,7 +1606,7 @@
           <a:p>
             <a:fld id="{4079D1B3-9057-4C76-922F-822BC3628CA5}" type="datetimeFigureOut">
               <a:rPr lang="de-DE" smtClean="0"/>
-              <a:t>19.09.2023</a:t>
+              <a:t>20.09.2023</a:t>
             </a:fld>
             <a:endParaRPr lang="de-DE"/>
           </a:p>
@@ -1719,7 +1724,7 @@
           <a:p>
             <a:fld id="{4079D1B3-9057-4C76-922F-822BC3628CA5}" type="datetimeFigureOut">
               <a:rPr lang="de-DE" smtClean="0"/>
-              <a:t>19.09.2023</a:t>
+              <a:t>20.09.2023</a:t>
             </a:fld>
             <a:endParaRPr lang="de-DE"/>
           </a:p>
@@ -1814,7 +1819,7 @@
           <a:p>
             <a:fld id="{4079D1B3-9057-4C76-922F-822BC3628CA5}" type="datetimeFigureOut">
               <a:rPr lang="de-DE" smtClean="0"/>
-              <a:t>19.09.2023</a:t>
+              <a:t>20.09.2023</a:t>
             </a:fld>
             <a:endParaRPr lang="de-DE"/>
           </a:p>
@@ -2091,7 +2096,7 @@
           <a:p>
             <a:fld id="{4079D1B3-9057-4C76-922F-822BC3628CA5}" type="datetimeFigureOut">
               <a:rPr lang="de-DE" smtClean="0"/>
-              <a:t>19.09.2023</a:t>
+              <a:t>20.09.2023</a:t>
             </a:fld>
             <a:endParaRPr lang="de-DE"/>
           </a:p>
@@ -2348,7 +2353,7 @@
           <a:p>
             <a:fld id="{4079D1B3-9057-4C76-922F-822BC3628CA5}" type="datetimeFigureOut">
               <a:rPr lang="de-DE" smtClean="0"/>
-              <a:t>19.09.2023</a:t>
+              <a:t>20.09.2023</a:t>
             </a:fld>
             <a:endParaRPr lang="de-DE"/>
           </a:p>
@@ -2561,7 +2566,7 @@
           <a:p>
             <a:fld id="{4079D1B3-9057-4C76-922F-822BC3628CA5}" type="datetimeFigureOut">
               <a:rPr lang="de-DE" smtClean="0"/>
-              <a:t>19.09.2023</a:t>
+              <a:t>20.09.2023</a:t>
             </a:fld>
             <a:endParaRPr lang="de-DE"/>
           </a:p>
@@ -2968,6 +2973,429 @@
       </p:grpSpPr>
       <p:sp>
         <p:nvSpPr>
+          <p:cNvPr id="29" name="Rechteck 28">
+            <a:extLst>
+              <a:ext uri="{FF2B5EF4-FFF2-40B4-BE49-F238E27FC236}">
+                <a16:creationId xmlns:a16="http://schemas.microsoft.com/office/drawing/2014/main" id="{5EE74005-6E66-0613-D08F-C4E11AB307C7}"/>
+              </a:ext>
+            </a:extLst>
+          </p:cNvPr>
+          <p:cNvSpPr/>
+          <p:nvPr/>
+        </p:nvSpPr>
+        <p:spPr>
+          <a:xfrm>
+            <a:off x="2510913" y="4520424"/>
+            <a:ext cx="1836172" cy="4192174"/>
+          </a:xfrm>
+          <a:prstGeom prst="rect">
+            <a:avLst/>
+          </a:prstGeom>
+          <a:solidFill>
+            <a:schemeClr val="accent2">
+              <a:lumMod val="50000"/>
+            </a:schemeClr>
+          </a:solidFill>
+          <a:ln>
+            <a:solidFill>
+              <a:schemeClr val="accent2">
+                <a:lumMod val="50000"/>
+              </a:schemeClr>
+            </a:solidFill>
+          </a:ln>
+        </p:spPr>
+        <p:style>
+          <a:lnRef idx="2">
+            <a:schemeClr val="accent1">
+              <a:shade val="15000"/>
+            </a:schemeClr>
+          </a:lnRef>
+          <a:fillRef idx="1">
+            <a:schemeClr val="accent1"/>
+          </a:fillRef>
+          <a:effectRef idx="0">
+            <a:schemeClr val="accent1"/>
+          </a:effectRef>
+          <a:fontRef idx="minor">
+            <a:schemeClr val="lt1"/>
+          </a:fontRef>
+        </p:style>
+        <p:txBody>
+          <a:bodyPr rtlCol="0" anchor="ctr"/>
+          <a:lstStyle/>
+          <a:p>
+            <a:pPr algn="ctr"/>
+            <a:endParaRPr lang="de-DE"/>
+          </a:p>
+        </p:txBody>
+      </p:sp>
+      <p:sp>
+        <p:nvSpPr>
+          <p:cNvPr id="2" name="Wolke 1">
+            <a:extLst>
+              <a:ext uri="{FF2B5EF4-FFF2-40B4-BE49-F238E27FC236}">
+                <a16:creationId xmlns:a16="http://schemas.microsoft.com/office/drawing/2014/main" id="{BBA49E14-0588-E5CB-1F84-0B4A62B2C246}"/>
+              </a:ext>
+            </a:extLst>
+          </p:cNvPr>
+          <p:cNvSpPr/>
+          <p:nvPr/>
+        </p:nvSpPr>
+        <p:spPr>
+          <a:xfrm>
+            <a:off x="-148099" y="612689"/>
+            <a:ext cx="7070624" cy="4954208"/>
+          </a:xfrm>
+          <a:prstGeom prst="cloud">
+            <a:avLst/>
+          </a:prstGeom>
+        </p:spPr>
+        <p:style>
+          <a:lnRef idx="0">
+            <a:schemeClr val="accent6"/>
+          </a:lnRef>
+          <a:fillRef idx="3">
+            <a:schemeClr val="accent6"/>
+          </a:fillRef>
+          <a:effectRef idx="3">
+            <a:schemeClr val="accent6"/>
+          </a:effectRef>
+          <a:fontRef idx="minor">
+            <a:schemeClr val="lt1"/>
+          </a:fontRef>
+        </p:style>
+        <p:txBody>
+          <a:bodyPr rtlCol="0" anchor="ctr"/>
+          <a:lstStyle/>
+          <a:p>
+            <a:pPr algn="ctr"/>
+            <a:endParaRPr lang="de-DE" dirty="0"/>
+          </a:p>
+        </p:txBody>
+      </p:sp>
+      <p:pic>
+        <p:nvPicPr>
+          <p:cNvPr id="72" name="Grafik 71" descr="Apfel mit einfarbiger Füllung">
+            <a:extLst>
+              <a:ext uri="{FF2B5EF4-FFF2-40B4-BE49-F238E27FC236}">
+                <a16:creationId xmlns:a16="http://schemas.microsoft.com/office/drawing/2014/main" id="{D823FDC2-2767-B80D-662A-EFDD45103CD0}"/>
+              </a:ext>
+            </a:extLst>
+          </p:cNvPr>
+          <p:cNvPicPr>
+            <a:picLocks noChangeAspect="1"/>
+          </p:cNvPicPr>
+          <p:nvPr/>
+        </p:nvPicPr>
+        <p:blipFill>
+          <a:blip r:embed="rId2">
+            <a:extLst>
+              <a:ext uri="{28A0092B-C50C-407E-A947-70E740481C1C}">
+                <a14:useLocalDpi xmlns:a14="http://schemas.microsoft.com/office/drawing/2010/main" val="0"/>
+              </a:ext>
+              <a:ext uri="{96DAC541-7B7A-43D3-8B79-37D633B846F1}">
+                <asvg:svgBlip xmlns:asvg="http://schemas.microsoft.com/office/drawing/2016/SVG/main" r:embed="rId3"/>
+              </a:ext>
+            </a:extLst>
+          </a:blip>
+          <a:stretch>
+            <a:fillRect/>
+          </a:stretch>
+        </p:blipFill>
+        <p:spPr>
+          <a:xfrm>
+            <a:off x="2947470" y="674931"/>
+            <a:ext cx="2384743" cy="2384743"/>
+          </a:xfrm>
+          <a:prstGeom prst="rect">
+            <a:avLst/>
+          </a:prstGeom>
+        </p:spPr>
+      </p:pic>
+      <p:sp>
+        <p:nvSpPr>
+          <p:cNvPr id="30" name="Rechteck 29">
+            <a:extLst>
+              <a:ext uri="{FF2B5EF4-FFF2-40B4-BE49-F238E27FC236}">
+                <a16:creationId xmlns:a16="http://schemas.microsoft.com/office/drawing/2014/main" id="{CB8A10B4-0356-4024-1B79-2E7D917C9CBB}"/>
+              </a:ext>
+            </a:extLst>
+          </p:cNvPr>
+          <p:cNvSpPr/>
+          <p:nvPr/>
+        </p:nvSpPr>
+        <p:spPr>
+          <a:xfrm>
+            <a:off x="1" y="8712598"/>
+            <a:ext cx="6858000" cy="3479402"/>
+          </a:xfrm>
+          <a:prstGeom prst="rect">
+            <a:avLst/>
+          </a:prstGeom>
+          <a:solidFill>
+            <a:srgbClr val="5C3700"/>
+          </a:solidFill>
+        </p:spPr>
+        <p:style>
+          <a:lnRef idx="2">
+            <a:schemeClr val="accent1">
+              <a:shade val="15000"/>
+            </a:schemeClr>
+          </a:lnRef>
+          <a:fillRef idx="1">
+            <a:schemeClr val="accent1"/>
+          </a:fillRef>
+          <a:effectRef idx="0">
+            <a:schemeClr val="accent1"/>
+          </a:effectRef>
+          <a:fontRef idx="minor">
+            <a:schemeClr val="lt1"/>
+          </a:fontRef>
+        </p:style>
+        <p:txBody>
+          <a:bodyPr rtlCol="0" anchor="ctr"/>
+          <a:lstStyle/>
+          <a:p>
+            <a:pPr algn="ctr"/>
+            <a:endParaRPr lang="de-DE"/>
+          </a:p>
+        </p:txBody>
+      </p:sp>
+      <p:cxnSp>
+        <p:nvCxnSpPr>
+          <p:cNvPr id="57" name="Verbinder: gewinkelt 56">
+            <a:extLst>
+              <a:ext uri="{FF2B5EF4-FFF2-40B4-BE49-F238E27FC236}">
+                <a16:creationId xmlns:a16="http://schemas.microsoft.com/office/drawing/2014/main" id="{19051A16-0929-D914-405D-D8628477ADEE}"/>
+              </a:ext>
+            </a:extLst>
+          </p:cNvPr>
+          <p:cNvCxnSpPr>
+            <a:cxnSpLocks/>
+          </p:cNvCxnSpPr>
+          <p:nvPr/>
+        </p:nvCxnSpPr>
+        <p:spPr>
+          <a:xfrm rot="5400000">
+            <a:off x="1315868" y="9087024"/>
+            <a:ext cx="3433539" cy="2407673"/>
+          </a:xfrm>
+          <a:prstGeom prst="bentConnector3">
+            <a:avLst>
+              <a:gd name="adj1" fmla="val 43342"/>
+            </a:avLst>
+          </a:prstGeom>
+          <a:ln w="101600">
+            <a:solidFill>
+              <a:schemeClr val="accent2">
+                <a:lumMod val="50000"/>
+              </a:schemeClr>
+            </a:solidFill>
+          </a:ln>
+        </p:spPr>
+        <p:style>
+          <a:lnRef idx="1">
+            <a:schemeClr val="accent1"/>
+          </a:lnRef>
+          <a:fillRef idx="0">
+            <a:schemeClr val="accent1"/>
+          </a:fillRef>
+          <a:effectRef idx="0">
+            <a:schemeClr val="accent1"/>
+          </a:effectRef>
+          <a:fontRef idx="minor">
+            <a:schemeClr val="tx1"/>
+          </a:fontRef>
+        </p:style>
+      </p:cxnSp>
+      <p:cxnSp>
+        <p:nvCxnSpPr>
+          <p:cNvPr id="51" name="Verbinder: gewinkelt 50">
+            <a:extLst>
+              <a:ext uri="{FF2B5EF4-FFF2-40B4-BE49-F238E27FC236}">
+                <a16:creationId xmlns:a16="http://schemas.microsoft.com/office/drawing/2014/main" id="{8197BA92-5411-DFC8-B5E9-E1A8DAB89F7D}"/>
+              </a:ext>
+            </a:extLst>
+          </p:cNvPr>
+          <p:cNvCxnSpPr>
+            <a:cxnSpLocks/>
+          </p:cNvCxnSpPr>
+          <p:nvPr/>
+        </p:nvCxnSpPr>
+        <p:spPr>
+          <a:xfrm rot="16200000" flipH="1">
+            <a:off x="2279410" y="10188868"/>
+            <a:ext cx="3481949" cy="333813"/>
+          </a:xfrm>
+          <a:prstGeom prst="bentConnector3">
+            <a:avLst>
+              <a:gd name="adj1" fmla="val 50000"/>
+            </a:avLst>
+          </a:prstGeom>
+          <a:ln w="101600">
+            <a:solidFill>
+              <a:schemeClr val="accent2">
+                <a:lumMod val="50000"/>
+              </a:schemeClr>
+            </a:solidFill>
+          </a:ln>
+        </p:spPr>
+        <p:style>
+          <a:lnRef idx="1">
+            <a:schemeClr val="accent1"/>
+          </a:lnRef>
+          <a:fillRef idx="0">
+            <a:schemeClr val="accent1"/>
+          </a:fillRef>
+          <a:effectRef idx="0">
+            <a:schemeClr val="accent1"/>
+          </a:effectRef>
+          <a:fontRef idx="minor">
+            <a:schemeClr val="tx1"/>
+          </a:fontRef>
+        </p:style>
+      </p:cxnSp>
+      <p:cxnSp>
+        <p:nvCxnSpPr>
+          <p:cNvPr id="43" name="Verbinder: gewinkelt 42">
+            <a:extLst>
+              <a:ext uri="{FF2B5EF4-FFF2-40B4-BE49-F238E27FC236}">
+                <a16:creationId xmlns:a16="http://schemas.microsoft.com/office/drawing/2014/main" id="{DFB205AA-BDD4-3C5D-06CC-5D1123E71CDE}"/>
+              </a:ext>
+            </a:extLst>
+          </p:cNvPr>
+          <p:cNvCxnSpPr>
+            <a:cxnSpLocks/>
+          </p:cNvCxnSpPr>
+          <p:nvPr/>
+        </p:nvCxnSpPr>
+        <p:spPr>
+          <a:xfrm rot="16200000" flipH="1">
+            <a:off x="2814688" y="8793647"/>
+            <a:ext cx="3857263" cy="2663223"/>
+          </a:xfrm>
+          <a:prstGeom prst="bentConnector3">
+            <a:avLst>
+              <a:gd name="adj1" fmla="val 40493"/>
+            </a:avLst>
+          </a:prstGeom>
+          <a:ln w="101600">
+            <a:solidFill>
+              <a:schemeClr val="accent2">
+                <a:lumMod val="50000"/>
+              </a:schemeClr>
+            </a:solidFill>
+          </a:ln>
+        </p:spPr>
+        <p:style>
+          <a:lnRef idx="1">
+            <a:schemeClr val="accent1"/>
+          </a:lnRef>
+          <a:fillRef idx="0">
+            <a:schemeClr val="accent1"/>
+          </a:fillRef>
+          <a:effectRef idx="0">
+            <a:schemeClr val="accent1"/>
+          </a:effectRef>
+          <a:fontRef idx="minor">
+            <a:schemeClr val="tx1"/>
+          </a:fontRef>
+        </p:style>
+      </p:cxnSp>
+      <p:cxnSp>
+        <p:nvCxnSpPr>
+          <p:cNvPr id="38" name="Verbinder: gewinkelt 37">
+            <a:extLst>
+              <a:ext uri="{FF2B5EF4-FFF2-40B4-BE49-F238E27FC236}">
+                <a16:creationId xmlns:a16="http://schemas.microsoft.com/office/drawing/2014/main" id="{B8C914C3-72EB-8A7A-4B2A-770065E19323}"/>
+              </a:ext>
+            </a:extLst>
+          </p:cNvPr>
+          <p:cNvCxnSpPr>
+            <a:cxnSpLocks/>
+          </p:cNvCxnSpPr>
+          <p:nvPr/>
+        </p:nvCxnSpPr>
+        <p:spPr>
+          <a:xfrm rot="16200000" flipH="1">
+            <a:off x="1541035" y="10167771"/>
+            <a:ext cx="3341294" cy="430946"/>
+          </a:xfrm>
+          <a:prstGeom prst="bentConnector3">
+            <a:avLst>
+              <a:gd name="adj1" fmla="val 50000"/>
+            </a:avLst>
+          </a:prstGeom>
+          <a:ln w="101600">
+            <a:solidFill>
+              <a:schemeClr val="accent2">
+                <a:lumMod val="50000"/>
+              </a:schemeClr>
+            </a:solidFill>
+          </a:ln>
+        </p:spPr>
+        <p:style>
+          <a:lnRef idx="1">
+            <a:schemeClr val="accent1"/>
+          </a:lnRef>
+          <a:fillRef idx="0">
+            <a:schemeClr val="accent1"/>
+          </a:fillRef>
+          <a:effectRef idx="0">
+            <a:schemeClr val="accent1"/>
+          </a:effectRef>
+          <a:fontRef idx="minor">
+            <a:schemeClr val="tx1"/>
+          </a:fontRef>
+        </p:style>
+      </p:cxnSp>
+      <p:cxnSp>
+        <p:nvCxnSpPr>
+          <p:cNvPr id="36" name="Verbinder: gewinkelt 35">
+            <a:extLst>
+              <a:ext uri="{FF2B5EF4-FFF2-40B4-BE49-F238E27FC236}">
+                <a16:creationId xmlns:a16="http://schemas.microsoft.com/office/drawing/2014/main" id="{C44306F9-C2E1-DE65-520D-32A3BFB13DD8}"/>
+              </a:ext>
+            </a:extLst>
+          </p:cNvPr>
+          <p:cNvCxnSpPr>
+            <a:cxnSpLocks/>
+          </p:cNvCxnSpPr>
+          <p:nvPr/>
+        </p:nvCxnSpPr>
+        <p:spPr>
+          <a:xfrm rot="5400000">
+            <a:off x="49012" y="9297460"/>
+            <a:ext cx="3145701" cy="1975976"/>
+          </a:xfrm>
+          <a:prstGeom prst="bentConnector3">
+            <a:avLst/>
+          </a:prstGeom>
+          <a:ln w="101600">
+            <a:solidFill>
+              <a:schemeClr val="accent2">
+                <a:lumMod val="50000"/>
+              </a:schemeClr>
+            </a:solidFill>
+          </a:ln>
+        </p:spPr>
+        <p:style>
+          <a:lnRef idx="1">
+            <a:schemeClr val="accent1"/>
+          </a:lnRef>
+          <a:fillRef idx="0">
+            <a:schemeClr val="accent1"/>
+          </a:fillRef>
+          <a:effectRef idx="0">
+            <a:schemeClr val="accent1"/>
+          </a:effectRef>
+          <a:fontRef idx="minor">
+            <a:schemeClr val="tx1"/>
+          </a:fontRef>
+        </p:style>
+      </p:cxnSp>
+      <p:sp>
+        <p:nvSpPr>
           <p:cNvPr id="4" name="Rechteck 3">
             <a:extLst>
               <a:ext uri="{FF2B5EF4-FFF2-40B4-BE49-F238E27FC236}">
@@ -2980,7 +3408,7 @@
         </p:nvSpPr>
         <p:spPr>
           <a:xfrm>
-            <a:off x="2662084" y="5719916"/>
+            <a:off x="2662084" y="5969408"/>
             <a:ext cx="1533832" cy="752168"/>
           </a:xfrm>
           <a:prstGeom prst="rect">
@@ -3060,7 +3488,7 @@
         </p:nvSpPr>
         <p:spPr>
           <a:xfrm>
-            <a:off x="398206" y="7044810"/>
+            <a:off x="4513007" y="10644626"/>
             <a:ext cx="1836174" cy="1044678"/>
           </a:xfrm>
           <a:prstGeom prst="rect">
@@ -3141,7 +3569,7 @@
         </p:nvSpPr>
         <p:spPr>
           <a:xfrm>
-            <a:off x="2396613" y="6889951"/>
+            <a:off x="1171267" y="9001419"/>
             <a:ext cx="2045110" cy="1354395"/>
           </a:xfrm>
           <a:prstGeom prst="rect">
@@ -3242,7 +3670,7 @@
         </p:nvSpPr>
         <p:spPr>
           <a:xfrm>
-            <a:off x="4603956" y="6889951"/>
+            <a:off x="3608433" y="8992824"/>
             <a:ext cx="2045110" cy="1354395"/>
           </a:xfrm>
           <a:prstGeom prst="rect">
@@ -3359,7 +3787,7 @@
         </p:nvSpPr>
         <p:spPr>
           <a:xfrm>
-            <a:off x="398206" y="8509817"/>
+            <a:off x="508819" y="10659383"/>
             <a:ext cx="1836174" cy="1044678"/>
           </a:xfrm>
           <a:prstGeom prst="rect">
@@ -3420,7 +3848,7 @@
         </p:nvSpPr>
         <p:spPr>
           <a:xfrm>
-            <a:off x="2510913" y="8509817"/>
+            <a:off x="2510913" y="10644635"/>
             <a:ext cx="1836174" cy="1044678"/>
           </a:xfrm>
           <a:prstGeom prst="rect">
@@ -3483,405 +3911,674 @@
           </a:p>
         </p:txBody>
       </p:sp>
-      <p:sp>
-        <p:nvSpPr>
-          <p:cNvPr id="10" name="Rechteck 9">
+      <p:pic>
+        <p:nvPicPr>
+          <p:cNvPr id="67" name="Grafik 66" descr="Apfel mit einfarbiger Füllung">
             <a:extLst>
               <a:ext uri="{FF2B5EF4-FFF2-40B4-BE49-F238E27FC236}">
-                <a16:creationId xmlns:a16="http://schemas.microsoft.com/office/drawing/2014/main" id="{CAF1A247-D756-80C3-947A-7EFB77FE4470}"/>
+                <a16:creationId xmlns:a16="http://schemas.microsoft.com/office/drawing/2014/main" id="{3EC95589-40A8-84ED-8FC5-73FC74D9ADD9}"/>
               </a:ext>
             </a:extLst>
           </p:cNvPr>
-          <p:cNvSpPr/>
+          <p:cNvPicPr>
+            <a:picLocks noChangeAspect="1"/>
+          </p:cNvPicPr>
           <p:nvPr/>
-        </p:nvSpPr>
+        </p:nvPicPr>
+        <p:blipFill>
+          <a:blip r:embed="rId2">
+            <a:extLst>
+              <a:ext uri="{28A0092B-C50C-407E-A947-70E740481C1C}">
+                <a14:useLocalDpi xmlns:a14="http://schemas.microsoft.com/office/drawing/2010/main" val="0"/>
+              </a:ext>
+              <a:ext uri="{96DAC541-7B7A-43D3-8B79-37D633B846F1}">
+                <asvg:svgBlip xmlns:asvg="http://schemas.microsoft.com/office/drawing/2016/SVG/main" r:embed="rId3"/>
+              </a:ext>
+            </a:extLst>
+          </a:blip>
+          <a:stretch>
+            <a:fillRect/>
+          </a:stretch>
+        </p:blipFill>
         <p:spPr>
           <a:xfrm>
-            <a:off x="1316293" y="4395022"/>
-            <a:ext cx="1533832" cy="752168"/>
+            <a:off x="616008" y="3168880"/>
+            <a:ext cx="1993843" cy="1993843"/>
           </a:xfrm>
           <a:prstGeom prst="rect">
             <a:avLst/>
           </a:prstGeom>
         </p:spPr>
-        <p:style>
-          <a:lnRef idx="3">
-            <a:schemeClr val="lt1"/>
-          </a:lnRef>
-          <a:fillRef idx="1">
-            <a:schemeClr val="accent6"/>
-          </a:fillRef>
-          <a:effectRef idx="1">
-            <a:schemeClr val="accent6"/>
-          </a:effectRef>
-          <a:fontRef idx="minor">
-            <a:schemeClr val="lt1"/>
-          </a:fontRef>
-        </p:style>
-        <p:txBody>
-          <a:bodyPr rtlCol="0" anchor="ctr"/>
-          <a:lstStyle/>
-          <a:p>
-            <a:pPr algn="ctr"/>
-            <a:r>
-              <a:rPr lang="de-DE" dirty="0" err="1"/>
-              <a:t>Discomfort</a:t>
-            </a:r>
-            <a:endParaRPr lang="de-DE" dirty="0"/>
-          </a:p>
-        </p:txBody>
-      </p:sp>
-      <p:sp>
-        <p:nvSpPr>
-          <p:cNvPr id="11" name="Rechteck 10">
+      </p:pic>
+      <p:sp>
+        <p:nvSpPr>
+          <p:cNvPr id="70" name="Textfeld 69">
             <a:extLst>
               <a:ext uri="{FF2B5EF4-FFF2-40B4-BE49-F238E27FC236}">
-                <a16:creationId xmlns:a16="http://schemas.microsoft.com/office/drawing/2014/main" id="{9570D4D7-68D6-C9FC-91A4-1BF1317D57B1}"/>
+                <a16:creationId xmlns:a16="http://schemas.microsoft.com/office/drawing/2014/main" id="{F2022055-7BEB-BA38-B466-A9E66D69E94F}"/>
               </a:ext>
             </a:extLst>
           </p:cNvPr>
-          <p:cNvSpPr/>
+          <p:cNvSpPr txBox="1"/>
           <p:nvPr/>
         </p:nvSpPr>
         <p:spPr>
           <a:xfrm>
-            <a:off x="2915264" y="4509325"/>
-            <a:ext cx="1688691" cy="792723"/>
+            <a:off x="991832" y="4118336"/>
+            <a:ext cx="1353161" cy="369332"/>
+          </a:xfrm>
+          <a:prstGeom prst="rect">
+            <a:avLst/>
+          </a:prstGeom>
+          <a:noFill/>
+        </p:spPr>
+        <p:txBody>
+          <a:bodyPr wrap="square" rtlCol="0">
+            <a:spAutoFit/>
+          </a:bodyPr>
+          <a:lstStyle/>
+          <a:p>
+            <a:r>
+              <a:rPr lang="de-DE" dirty="0" err="1">
+                <a:solidFill>
+                  <a:schemeClr val="bg1"/>
+                </a:solidFill>
+              </a:rPr>
+              <a:t>Discomfort</a:t>
+            </a:r>
+            <a:endParaRPr lang="de-DE" dirty="0">
+              <a:solidFill>
+                <a:schemeClr val="bg1"/>
+              </a:solidFill>
+            </a:endParaRPr>
+          </a:p>
+        </p:txBody>
+      </p:sp>
+      <p:sp>
+        <p:nvSpPr>
+          <p:cNvPr id="71" name="Textfeld 70">
+            <a:extLst>
+              <a:ext uri="{FF2B5EF4-FFF2-40B4-BE49-F238E27FC236}">
+                <a16:creationId xmlns:a16="http://schemas.microsoft.com/office/drawing/2014/main" id="{4B9151D6-2815-D312-DC51-D32550D55EF2}"/>
+              </a:ext>
+            </a:extLst>
+          </p:cNvPr>
+          <p:cNvSpPr txBox="1"/>
+          <p:nvPr/>
+        </p:nvSpPr>
+        <p:spPr>
+          <a:xfrm>
+            <a:off x="3482993" y="1697809"/>
+            <a:ext cx="1390650" cy="923330"/>
+          </a:xfrm>
+          <a:prstGeom prst="rect">
+            <a:avLst/>
+          </a:prstGeom>
+          <a:noFill/>
+        </p:spPr>
+        <p:txBody>
+          <a:bodyPr wrap="square" rtlCol="0">
+            <a:spAutoFit/>
+          </a:bodyPr>
+          <a:lstStyle/>
+          <a:p>
+            <a:pPr algn="ctr"/>
+            <a:r>
+              <a:rPr lang="de-DE" dirty="0">
+                <a:solidFill>
+                  <a:schemeClr val="bg1"/>
+                </a:solidFill>
+              </a:rPr>
+              <a:t>School </a:t>
+            </a:r>
+            <a:r>
+              <a:rPr lang="de-DE" dirty="0" err="1">
+                <a:solidFill>
+                  <a:schemeClr val="bg1"/>
+                </a:solidFill>
+              </a:rPr>
+              <a:t>is</a:t>
+            </a:r>
+            <a:r>
+              <a:rPr lang="de-DE" dirty="0">
+                <a:solidFill>
+                  <a:schemeClr val="bg1"/>
+                </a:solidFill>
+              </a:rPr>
+              <a:t> </a:t>
+            </a:r>
+            <a:r>
+              <a:rPr lang="de-DE" dirty="0" err="1">
+                <a:solidFill>
+                  <a:schemeClr val="bg1"/>
+                </a:solidFill>
+              </a:rPr>
+              <a:t>less</a:t>
+            </a:r>
+            <a:r>
+              <a:rPr lang="de-DE" dirty="0">
+                <a:solidFill>
+                  <a:schemeClr val="bg1"/>
+                </a:solidFill>
+              </a:rPr>
+              <a:t> </a:t>
+            </a:r>
+            <a:r>
+              <a:rPr lang="de-DE" dirty="0" err="1">
+                <a:solidFill>
+                  <a:schemeClr val="bg1"/>
+                </a:solidFill>
+              </a:rPr>
+              <a:t>fun</a:t>
+            </a:r>
+            <a:r>
+              <a:rPr lang="de-DE" dirty="0">
+                <a:solidFill>
+                  <a:schemeClr val="bg1"/>
+                </a:solidFill>
+              </a:rPr>
+              <a:t> </a:t>
+            </a:r>
+            <a:r>
+              <a:rPr lang="de-DE" dirty="0" err="1">
+                <a:solidFill>
+                  <a:schemeClr val="bg1"/>
+                </a:solidFill>
+              </a:rPr>
+              <a:t>than</a:t>
+            </a:r>
+            <a:r>
+              <a:rPr lang="de-DE" dirty="0">
+                <a:solidFill>
+                  <a:schemeClr val="bg1"/>
+                </a:solidFill>
+              </a:rPr>
+              <a:t> </a:t>
+            </a:r>
+            <a:r>
+              <a:rPr lang="de-DE" dirty="0" err="1">
+                <a:solidFill>
+                  <a:schemeClr val="bg1"/>
+                </a:solidFill>
+              </a:rPr>
+              <a:t>it</a:t>
+            </a:r>
+            <a:r>
+              <a:rPr lang="de-DE" dirty="0">
+                <a:solidFill>
+                  <a:schemeClr val="bg1"/>
+                </a:solidFill>
+              </a:rPr>
+              <a:t> </a:t>
+            </a:r>
+            <a:r>
+              <a:rPr lang="de-DE" dirty="0" err="1">
+                <a:solidFill>
+                  <a:schemeClr val="bg1"/>
+                </a:solidFill>
+              </a:rPr>
+              <a:t>could</a:t>
+            </a:r>
+            <a:r>
+              <a:rPr lang="de-DE" dirty="0">
+                <a:solidFill>
+                  <a:schemeClr val="bg1"/>
+                </a:solidFill>
+              </a:rPr>
+              <a:t> </a:t>
+            </a:r>
+            <a:r>
+              <a:rPr lang="de-DE" dirty="0" err="1">
+                <a:solidFill>
+                  <a:schemeClr val="bg1"/>
+                </a:solidFill>
+              </a:rPr>
+              <a:t>be</a:t>
+            </a:r>
+            <a:endParaRPr lang="de-DE" dirty="0">
+              <a:solidFill>
+                <a:schemeClr val="bg1"/>
+              </a:solidFill>
+            </a:endParaRPr>
+          </a:p>
+        </p:txBody>
+      </p:sp>
+      <p:pic>
+        <p:nvPicPr>
+          <p:cNvPr id="75" name="Grafik 74" descr="Apfel mit einfarbiger Füllung">
+            <a:extLst>
+              <a:ext uri="{FF2B5EF4-FFF2-40B4-BE49-F238E27FC236}">
+                <a16:creationId xmlns:a16="http://schemas.microsoft.com/office/drawing/2014/main" id="{47A5BEE6-0D1C-E4F9-9BDF-F8A7ABD02EEA}"/>
+              </a:ext>
+            </a:extLst>
+          </p:cNvPr>
+          <p:cNvPicPr>
+            <a:picLocks noChangeAspect="1"/>
+          </p:cNvPicPr>
+          <p:nvPr/>
+        </p:nvPicPr>
+        <p:blipFill>
+          <a:blip r:embed="rId2">
+            <a:extLst>
+              <a:ext uri="{28A0092B-C50C-407E-A947-70E740481C1C}">
+                <a14:useLocalDpi xmlns:a14="http://schemas.microsoft.com/office/drawing/2010/main" val="0"/>
+              </a:ext>
+              <a:ext uri="{96DAC541-7B7A-43D3-8B79-37D633B846F1}">
+                <asvg:svgBlip xmlns:asvg="http://schemas.microsoft.com/office/drawing/2016/SVG/main" r:embed="rId3"/>
+              </a:ext>
+            </a:extLst>
+          </a:blip>
+          <a:stretch>
+            <a:fillRect/>
+          </a:stretch>
+        </p:blipFill>
+        <p:spPr>
+          <a:xfrm>
+            <a:off x="2277989" y="3037377"/>
+            <a:ext cx="2187849" cy="2187849"/>
           </a:xfrm>
           <a:prstGeom prst="rect">
             <a:avLst/>
           </a:prstGeom>
         </p:spPr>
-        <p:style>
-          <a:lnRef idx="3">
-            <a:schemeClr val="lt1"/>
-          </a:lnRef>
-          <a:fillRef idx="1">
-            <a:schemeClr val="accent6"/>
-          </a:fillRef>
-          <a:effectRef idx="1">
-            <a:schemeClr val="accent6"/>
-          </a:effectRef>
-          <a:fontRef idx="minor">
-            <a:schemeClr val="lt1"/>
-          </a:fontRef>
-        </p:style>
-        <p:txBody>
-          <a:bodyPr rtlCol="0" anchor="ctr"/>
-          <a:lstStyle/>
-          <a:p>
-            <a:pPr algn="ctr"/>
-            <a:r>
-              <a:rPr lang="de-DE" dirty="0" err="1"/>
-              <a:t>Navigating</a:t>
-            </a:r>
-            <a:r>
-              <a:rPr lang="de-DE" dirty="0"/>
-              <a:t> </a:t>
-            </a:r>
-            <a:r>
-              <a:rPr lang="de-DE" dirty="0" err="1"/>
-              <a:t>takes</a:t>
-            </a:r>
-            <a:r>
-              <a:rPr lang="de-DE" dirty="0"/>
-              <a:t> a </a:t>
-            </a:r>
-            <a:r>
-              <a:rPr lang="de-DE" dirty="0" err="1"/>
-              <a:t>lot</a:t>
-            </a:r>
-            <a:r>
-              <a:rPr lang="de-DE" dirty="0"/>
-              <a:t> </a:t>
-            </a:r>
-            <a:r>
-              <a:rPr lang="de-DE" dirty="0" err="1"/>
-              <a:t>of</a:t>
-            </a:r>
-            <a:r>
-              <a:rPr lang="de-DE" dirty="0"/>
-              <a:t> time</a:t>
-            </a:r>
-          </a:p>
-        </p:txBody>
-      </p:sp>
-      <p:sp>
-        <p:nvSpPr>
-          <p:cNvPr id="12" name="Rechteck 11">
+      </p:pic>
+      <p:sp>
+        <p:nvSpPr>
+          <p:cNvPr id="74" name="Textfeld 73">
             <a:extLst>
               <a:ext uri="{FF2B5EF4-FFF2-40B4-BE49-F238E27FC236}">
-                <a16:creationId xmlns:a16="http://schemas.microsoft.com/office/drawing/2014/main" id="{1B1A881B-5073-75DF-BA6D-C17A04F7E9D0}"/>
+                <a16:creationId xmlns:a16="http://schemas.microsoft.com/office/drawing/2014/main" id="{9E94CFFD-72EB-6F8C-852E-2BC5BB78FA2D}"/>
               </a:ext>
             </a:extLst>
           </p:cNvPr>
-          <p:cNvSpPr/>
+          <p:cNvSpPr txBox="1"/>
           <p:nvPr/>
         </p:nvSpPr>
         <p:spPr>
           <a:xfrm>
-            <a:off x="4859594" y="4089000"/>
-            <a:ext cx="1688691" cy="1172494"/>
+            <a:off x="2687735" y="3777678"/>
+            <a:ext cx="1402939" cy="1477328"/>
+          </a:xfrm>
+          <a:prstGeom prst="rect">
+            <a:avLst/>
+          </a:prstGeom>
+          <a:noFill/>
+        </p:spPr>
+        <p:txBody>
+          <a:bodyPr wrap="square" rtlCol="0">
+            <a:spAutoFit/>
+          </a:bodyPr>
+          <a:lstStyle/>
+          <a:p>
+            <a:pPr algn="ctr"/>
+            <a:r>
+              <a:rPr lang="de-DE" dirty="0" err="1">
+                <a:solidFill>
+                  <a:schemeClr val="bg1"/>
+                </a:solidFill>
+              </a:rPr>
+              <a:t>Navigating</a:t>
+            </a:r>
+            <a:r>
+              <a:rPr lang="de-DE" dirty="0">
+                <a:solidFill>
+                  <a:schemeClr val="bg1"/>
+                </a:solidFill>
+              </a:rPr>
+              <a:t> </a:t>
+            </a:r>
+            <a:r>
+              <a:rPr lang="de-DE" dirty="0" err="1">
+                <a:solidFill>
+                  <a:schemeClr val="bg1"/>
+                </a:solidFill>
+              </a:rPr>
+              <a:t>takes</a:t>
+            </a:r>
+            <a:r>
+              <a:rPr lang="de-DE" dirty="0">
+                <a:solidFill>
+                  <a:schemeClr val="bg1"/>
+                </a:solidFill>
+              </a:rPr>
+              <a:t> </a:t>
+            </a:r>
+            <a:r>
+              <a:rPr lang="de-DE" dirty="0" err="1">
+                <a:solidFill>
+                  <a:schemeClr val="bg1"/>
+                </a:solidFill>
+              </a:rPr>
+              <a:t>up</a:t>
+            </a:r>
+            <a:r>
+              <a:rPr lang="de-DE" dirty="0">
+                <a:solidFill>
+                  <a:schemeClr val="bg1"/>
+                </a:solidFill>
+              </a:rPr>
+              <a:t> </a:t>
+            </a:r>
+            <a:r>
+              <a:rPr lang="de-DE" dirty="0" err="1">
+                <a:solidFill>
+                  <a:schemeClr val="bg1"/>
+                </a:solidFill>
+              </a:rPr>
+              <a:t>brain</a:t>
+            </a:r>
+            <a:r>
+              <a:rPr lang="de-DE" dirty="0">
+                <a:solidFill>
+                  <a:schemeClr val="bg1"/>
+                </a:solidFill>
+              </a:rPr>
+              <a:t> </a:t>
+            </a:r>
+            <a:r>
+              <a:rPr lang="de-DE" dirty="0" err="1">
+                <a:solidFill>
+                  <a:schemeClr val="bg1"/>
+                </a:solidFill>
+              </a:rPr>
+              <a:t>capacity</a:t>
+            </a:r>
+            <a:endParaRPr lang="de-DE" dirty="0">
+              <a:solidFill>
+                <a:schemeClr val="bg1"/>
+              </a:solidFill>
+            </a:endParaRPr>
+          </a:p>
+          <a:p>
+            <a:endParaRPr lang="de-DE" dirty="0"/>
+          </a:p>
+        </p:txBody>
+      </p:sp>
+      <p:pic>
+        <p:nvPicPr>
+          <p:cNvPr id="77" name="Grafik 76" descr="Apfel mit einfarbiger Füllung">
+            <a:extLst>
+              <a:ext uri="{FF2B5EF4-FFF2-40B4-BE49-F238E27FC236}">
+                <a16:creationId xmlns:a16="http://schemas.microsoft.com/office/drawing/2014/main" id="{C472E8A7-C5CB-19D6-751A-8DE8846CCD8B}"/>
+              </a:ext>
+            </a:extLst>
+          </p:cNvPr>
+          <p:cNvPicPr>
+            <a:picLocks noChangeAspect="1"/>
+          </p:cNvPicPr>
+          <p:nvPr/>
+        </p:nvPicPr>
+        <p:blipFill>
+          <a:blip r:embed="rId2">
+            <a:extLst>
+              <a:ext uri="{28A0092B-C50C-407E-A947-70E740481C1C}">
+                <a14:useLocalDpi xmlns:a14="http://schemas.microsoft.com/office/drawing/2010/main" val="0"/>
+              </a:ext>
+              <a:ext uri="{96DAC541-7B7A-43D3-8B79-37D633B846F1}">
+                <asvg:svgBlip xmlns:asvg="http://schemas.microsoft.com/office/drawing/2016/SVG/main" r:embed="rId3"/>
+              </a:ext>
+            </a:extLst>
+          </a:blip>
+          <a:stretch>
+            <a:fillRect/>
+          </a:stretch>
+        </p:blipFill>
+        <p:spPr>
+          <a:xfrm>
+            <a:off x="4095194" y="2709821"/>
+            <a:ext cx="1993843" cy="1993843"/>
           </a:xfrm>
           <a:prstGeom prst="rect">
             <a:avLst/>
           </a:prstGeom>
         </p:spPr>
-        <p:style>
-          <a:lnRef idx="3">
-            <a:schemeClr val="lt1"/>
-          </a:lnRef>
-          <a:fillRef idx="1">
-            <a:schemeClr val="accent6"/>
-          </a:fillRef>
-          <a:effectRef idx="1">
-            <a:schemeClr val="accent6"/>
-          </a:effectRef>
-          <a:fontRef idx="minor">
-            <a:schemeClr val="lt1"/>
-          </a:fontRef>
-        </p:style>
-        <p:txBody>
-          <a:bodyPr rtlCol="0" anchor="ctr"/>
-          <a:lstStyle/>
-          <a:p>
-            <a:pPr algn="ctr"/>
-            <a:r>
-              <a:rPr lang="de-DE" dirty="0" err="1"/>
-              <a:t>Navigating</a:t>
-            </a:r>
-            <a:r>
-              <a:rPr lang="de-DE" dirty="0"/>
-              <a:t> </a:t>
-            </a:r>
-            <a:r>
-              <a:rPr lang="de-DE" dirty="0" err="1"/>
-              <a:t>takes</a:t>
-            </a:r>
-            <a:r>
-              <a:rPr lang="de-DE" dirty="0"/>
-              <a:t> </a:t>
-            </a:r>
-            <a:r>
-              <a:rPr lang="de-DE" dirty="0" err="1"/>
-              <a:t>up</a:t>
-            </a:r>
-            <a:r>
-              <a:rPr lang="de-DE" dirty="0"/>
-              <a:t> </a:t>
-            </a:r>
-            <a:r>
-              <a:rPr lang="de-DE" dirty="0" err="1"/>
-              <a:t>brain</a:t>
-            </a:r>
-            <a:r>
-              <a:rPr lang="de-DE" dirty="0"/>
-              <a:t> </a:t>
-            </a:r>
-            <a:r>
-              <a:rPr lang="de-DE" dirty="0" err="1"/>
-              <a:t>capacity</a:t>
-            </a:r>
-            <a:endParaRPr lang="de-DE" dirty="0"/>
-          </a:p>
-        </p:txBody>
-      </p:sp>
-      <p:sp>
-        <p:nvSpPr>
-          <p:cNvPr id="13" name="Rechteck 12">
+      </p:pic>
+      <p:sp>
+        <p:nvSpPr>
+          <p:cNvPr id="76" name="Textfeld 75">
             <a:extLst>
               <a:ext uri="{FF2B5EF4-FFF2-40B4-BE49-F238E27FC236}">
-                <a16:creationId xmlns:a16="http://schemas.microsoft.com/office/drawing/2014/main" id="{3C9385D5-E80D-CFA9-66D7-3EE8D4748108}"/>
+                <a16:creationId xmlns:a16="http://schemas.microsoft.com/office/drawing/2014/main" id="{B9C3E36C-1542-9F04-8DA4-46DA3B445734}"/>
               </a:ext>
             </a:extLst>
           </p:cNvPr>
-          <p:cNvSpPr/>
+          <p:cNvSpPr txBox="1"/>
           <p:nvPr/>
         </p:nvSpPr>
         <p:spPr>
           <a:xfrm>
-            <a:off x="892279" y="3089793"/>
-            <a:ext cx="1836173" cy="1172494"/>
+            <a:off x="4323737" y="3448796"/>
+            <a:ext cx="1494427" cy="1200329"/>
+          </a:xfrm>
+          <a:prstGeom prst="rect">
+            <a:avLst/>
+          </a:prstGeom>
+          <a:noFill/>
+        </p:spPr>
+        <p:txBody>
+          <a:bodyPr wrap="square" rtlCol="0">
+            <a:spAutoFit/>
+          </a:bodyPr>
+          <a:lstStyle/>
+          <a:p>
+            <a:pPr algn="ctr"/>
+            <a:r>
+              <a:rPr lang="de-DE" dirty="0" err="1">
+                <a:solidFill>
+                  <a:schemeClr val="bg1"/>
+                </a:solidFill>
+              </a:rPr>
+              <a:t>Navigating</a:t>
+            </a:r>
+            <a:r>
+              <a:rPr lang="de-DE" dirty="0">
+                <a:solidFill>
+                  <a:schemeClr val="bg1"/>
+                </a:solidFill>
+              </a:rPr>
+              <a:t> </a:t>
+            </a:r>
+            <a:r>
+              <a:rPr lang="de-DE" dirty="0" err="1">
+                <a:solidFill>
+                  <a:schemeClr val="bg1"/>
+                </a:solidFill>
+              </a:rPr>
+              <a:t>takes</a:t>
+            </a:r>
+            <a:r>
+              <a:rPr lang="de-DE" dirty="0">
+                <a:solidFill>
+                  <a:schemeClr val="bg1"/>
+                </a:solidFill>
+              </a:rPr>
+              <a:t> a </a:t>
+            </a:r>
+            <a:r>
+              <a:rPr lang="de-DE" dirty="0" err="1">
+                <a:solidFill>
+                  <a:schemeClr val="bg1"/>
+                </a:solidFill>
+              </a:rPr>
+              <a:t>lot</a:t>
+            </a:r>
+            <a:r>
+              <a:rPr lang="de-DE" dirty="0">
+                <a:solidFill>
+                  <a:schemeClr val="bg1"/>
+                </a:solidFill>
+              </a:rPr>
+              <a:t> </a:t>
+            </a:r>
+            <a:r>
+              <a:rPr lang="de-DE" dirty="0" err="1">
+                <a:solidFill>
+                  <a:schemeClr val="bg1"/>
+                </a:solidFill>
+              </a:rPr>
+              <a:t>of</a:t>
+            </a:r>
+            <a:r>
+              <a:rPr lang="de-DE" dirty="0">
+                <a:solidFill>
+                  <a:schemeClr val="bg1"/>
+                </a:solidFill>
+              </a:rPr>
+              <a:t> time</a:t>
+            </a:r>
+          </a:p>
+          <a:p>
+            <a:endParaRPr lang="de-DE" dirty="0"/>
+          </a:p>
+        </p:txBody>
+      </p:sp>
+      <p:pic>
+        <p:nvPicPr>
+          <p:cNvPr id="79" name="Grafik 78" descr="Apfel mit einfarbiger Füllung">
+            <a:extLst>
+              <a:ext uri="{FF2B5EF4-FFF2-40B4-BE49-F238E27FC236}">
+                <a16:creationId xmlns:a16="http://schemas.microsoft.com/office/drawing/2014/main" id="{31F1FC5D-9D0A-B568-5D86-2A8D68A92835}"/>
+              </a:ext>
+            </a:extLst>
+          </p:cNvPr>
+          <p:cNvPicPr>
+            <a:picLocks noChangeAspect="1"/>
+          </p:cNvPicPr>
+          <p:nvPr/>
+        </p:nvPicPr>
+        <p:blipFill>
+          <a:blip r:embed="rId2">
+            <a:extLst>
+              <a:ext uri="{28A0092B-C50C-407E-A947-70E740481C1C}">
+                <a14:useLocalDpi xmlns:a14="http://schemas.microsoft.com/office/drawing/2010/main" val="0"/>
+              </a:ext>
+              <a:ext uri="{96DAC541-7B7A-43D3-8B79-37D633B846F1}">
+                <asvg:svgBlip xmlns:asvg="http://schemas.microsoft.com/office/drawing/2016/SVG/main" r:embed="rId3"/>
+              </a:ext>
+            </a:extLst>
+          </a:blip>
+          <a:stretch>
+            <a:fillRect/>
+          </a:stretch>
+        </p:blipFill>
+        <p:spPr>
+          <a:xfrm>
+            <a:off x="959057" y="916843"/>
+            <a:ext cx="2580609" cy="2580609"/>
           </a:xfrm>
           <a:prstGeom prst="rect">
             <a:avLst/>
           </a:prstGeom>
         </p:spPr>
-        <p:style>
-          <a:lnRef idx="3">
-            <a:schemeClr val="lt1"/>
-          </a:lnRef>
-          <a:fillRef idx="1">
-            <a:schemeClr val="accent6"/>
-          </a:fillRef>
-          <a:effectRef idx="1">
-            <a:schemeClr val="accent6"/>
-          </a:effectRef>
-          <a:fontRef idx="minor">
-            <a:schemeClr val="lt1"/>
-          </a:fontRef>
-        </p:style>
-        <p:txBody>
-          <a:bodyPr rtlCol="0" anchor="ctr"/>
-          <a:lstStyle/>
-          <a:p>
-            <a:pPr algn="ctr"/>
-            <a:r>
-              <a:rPr lang="de-DE" dirty="0"/>
-              <a:t>School </a:t>
-            </a:r>
-            <a:r>
-              <a:rPr lang="de-DE" dirty="0" err="1"/>
-              <a:t>is</a:t>
-            </a:r>
-            <a:r>
-              <a:rPr lang="de-DE" dirty="0"/>
-              <a:t> </a:t>
-            </a:r>
-            <a:r>
-              <a:rPr lang="de-DE" dirty="0" err="1"/>
-              <a:t>less</a:t>
-            </a:r>
-            <a:r>
-              <a:rPr lang="de-DE" dirty="0"/>
-              <a:t> </a:t>
-            </a:r>
-            <a:r>
-              <a:rPr lang="de-DE" dirty="0" err="1"/>
-              <a:t>fun</a:t>
-            </a:r>
-            <a:r>
-              <a:rPr lang="de-DE" dirty="0"/>
-              <a:t> </a:t>
-            </a:r>
-            <a:r>
-              <a:rPr lang="de-DE" dirty="0" err="1"/>
-              <a:t>than</a:t>
-            </a:r>
-            <a:r>
-              <a:rPr lang="de-DE" dirty="0"/>
-              <a:t> </a:t>
-            </a:r>
-            <a:r>
-              <a:rPr lang="de-DE" dirty="0" err="1"/>
-              <a:t>it</a:t>
-            </a:r>
-            <a:r>
-              <a:rPr lang="de-DE" dirty="0"/>
-              <a:t> </a:t>
-            </a:r>
-            <a:r>
-              <a:rPr lang="de-DE" dirty="0" err="1"/>
-              <a:t>could</a:t>
-            </a:r>
-            <a:r>
-              <a:rPr lang="de-DE" dirty="0"/>
-              <a:t> </a:t>
-            </a:r>
-            <a:r>
-              <a:rPr lang="de-DE" dirty="0" err="1"/>
-              <a:t>be</a:t>
-            </a:r>
-            <a:endParaRPr lang="de-DE" dirty="0"/>
-          </a:p>
-        </p:txBody>
-      </p:sp>
-      <p:sp>
-        <p:nvSpPr>
-          <p:cNvPr id="14" name="Rechteck 13">
+      </p:pic>
+      <p:sp>
+        <p:nvSpPr>
+          <p:cNvPr id="78" name="Textfeld 77">
             <a:extLst>
               <a:ext uri="{FF2B5EF4-FFF2-40B4-BE49-F238E27FC236}">
-                <a16:creationId xmlns:a16="http://schemas.microsoft.com/office/drawing/2014/main" id="{7728F9D9-12C3-E7B5-8BAE-AC4DA833AFE9}"/>
+                <a16:creationId xmlns:a16="http://schemas.microsoft.com/office/drawing/2014/main" id="{A6C42D92-8D15-CC75-B9B3-C43360309408}"/>
               </a:ext>
             </a:extLst>
           </p:cNvPr>
-          <p:cNvSpPr/>
+          <p:cNvSpPr txBox="1"/>
           <p:nvPr/>
         </p:nvSpPr>
         <p:spPr>
           <a:xfrm>
-            <a:off x="2883309" y="2916506"/>
-            <a:ext cx="1836173" cy="1172494"/>
+            <a:off x="1239948" y="1849723"/>
+            <a:ext cx="2076284" cy="1477328"/>
           </a:xfrm>
           <a:prstGeom prst="rect">
             <a:avLst/>
           </a:prstGeom>
+          <a:noFill/>
         </p:spPr>
-        <p:style>
-          <a:lnRef idx="3">
-            <a:schemeClr val="lt1"/>
-          </a:lnRef>
-          <a:fillRef idx="1">
-            <a:schemeClr val="accent6"/>
-          </a:fillRef>
-          <a:effectRef idx="1">
-            <a:schemeClr val="accent6"/>
-          </a:effectRef>
-          <a:fontRef idx="minor">
-            <a:schemeClr val="lt1"/>
-          </a:fontRef>
-        </p:style>
-        <p:txBody>
-          <a:bodyPr rtlCol="0" anchor="ctr"/>
+        <p:txBody>
+          <a:bodyPr wrap="square" rtlCol="0">
+            <a:spAutoFit/>
+          </a:bodyPr>
           <a:lstStyle/>
           <a:p>
             <a:pPr algn="ctr"/>
             <a:r>
-              <a:rPr lang="de-DE" dirty="0"/>
-              <a:t>School </a:t>
-            </a:r>
-            <a:r>
-              <a:rPr lang="de-DE" dirty="0" err="1"/>
-              <a:t>is</a:t>
-            </a:r>
-            <a:r>
-              <a:rPr lang="de-DE" dirty="0"/>
+              <a:rPr lang="de-DE" dirty="0" err="1">
+                <a:solidFill>
+                  <a:schemeClr val="bg1"/>
+                </a:solidFill>
+              </a:rPr>
+              <a:t>Sometimes</a:t>
+            </a:r>
+            <a:r>
+              <a:rPr lang="de-DE" dirty="0">
+                <a:solidFill>
+                  <a:schemeClr val="bg1"/>
+                </a:solidFill>
+              </a:rPr>
               <a:t> </a:t>
             </a:r>
             <a:r>
-              <a:rPr lang="de-DE" dirty="0" err="1"/>
-              <a:t>less</a:t>
-            </a:r>
-            <a:r>
-              <a:rPr lang="de-DE" dirty="0"/>
+              <a:rPr lang="de-DE" dirty="0" err="1">
+                <a:solidFill>
+                  <a:schemeClr val="bg1"/>
+                </a:solidFill>
+              </a:rPr>
+              <a:t>important</a:t>
+            </a:r>
+            <a:r>
+              <a:rPr lang="de-DE" dirty="0">
+                <a:solidFill>
+                  <a:schemeClr val="bg1"/>
+                </a:solidFill>
+              </a:rPr>
               <a:t> </a:t>
             </a:r>
             <a:r>
-              <a:rPr lang="de-DE" dirty="0" err="1"/>
-              <a:t>fun</a:t>
-            </a:r>
-            <a:r>
-              <a:rPr lang="de-DE" dirty="0"/>
+              <a:rPr lang="de-DE" dirty="0" err="1">
+                <a:solidFill>
+                  <a:schemeClr val="bg1"/>
+                </a:solidFill>
+              </a:rPr>
+              <a:t>information</a:t>
+            </a:r>
+            <a:r>
+              <a:rPr lang="de-DE" dirty="0">
+                <a:solidFill>
+                  <a:schemeClr val="bg1"/>
+                </a:solidFill>
+              </a:rPr>
               <a:t> </a:t>
             </a:r>
             <a:r>
-              <a:rPr lang="de-DE" dirty="0" err="1"/>
-              <a:t>than</a:t>
-            </a:r>
-            <a:r>
-              <a:rPr lang="de-DE" dirty="0"/>
+              <a:rPr lang="de-DE" dirty="0" err="1">
+                <a:solidFill>
+                  <a:schemeClr val="bg1"/>
+                </a:solidFill>
+              </a:rPr>
+              <a:t>gets</a:t>
+            </a:r>
+            <a:r>
+              <a:rPr lang="de-DE" dirty="0">
+                <a:solidFill>
+                  <a:schemeClr val="bg1"/>
+                </a:solidFill>
+              </a:rPr>
               <a:t> </a:t>
             </a:r>
             <a:r>
-              <a:rPr lang="de-DE" dirty="0" err="1"/>
-              <a:t>it</a:t>
-            </a:r>
-            <a:r>
-              <a:rPr lang="de-DE" dirty="0"/>
-              <a:t> </a:t>
-            </a:r>
-            <a:r>
-              <a:rPr lang="de-DE" dirty="0" err="1"/>
-              <a:t>could</a:t>
-            </a:r>
-            <a:r>
-              <a:rPr lang="de-DE" dirty="0"/>
-              <a:t> </a:t>
-            </a:r>
-            <a:r>
-              <a:rPr lang="de-DE" dirty="0" err="1"/>
-              <a:t>be</a:t>
-            </a:r>
+              <a:rPr lang="de-DE" dirty="0" err="1">
+                <a:solidFill>
+                  <a:schemeClr val="bg1"/>
+                </a:solidFill>
+              </a:rPr>
+              <a:t>overlooked</a:t>
+            </a:r>
+            <a:endParaRPr lang="de-DE" dirty="0">
+              <a:solidFill>
+                <a:schemeClr val="bg1"/>
+              </a:solidFill>
+            </a:endParaRPr>
+          </a:p>
+          <a:p>
             <a:endParaRPr lang="de-DE" dirty="0"/>
           </a:p>
         </p:txBody>
